--- a/Reference/ROS/Working with ROS topic.pptx
+++ b/Reference/ROS/Working with ROS topic.pptx
@@ -289,7 +289,7 @@
           <a:p>
             <a:fld id="{1160EA64-D806-43AC-9DF2-F8C432F32B4C}" type="datetimeFigureOut">
               <a:rPr lang="en-US" dirty="0"/>
-              <a:t>6/20/2019</a:t>
+              <a:t>6/26/2019</a:t>
             </a:fld>
             <a:endParaRPr lang="en-US" dirty="0"/>
           </a:p>
@@ -455,7 +455,7 @@
           <a:p>
             <a:fld id="{E9F9C37B-1D36-470B-8223-D6C91242EC14}" type="datetimeFigureOut">
               <a:rPr lang="en-US" dirty="0"/>
-              <a:t>6/20/2019</a:t>
+              <a:t>6/26/2019</a:t>
             </a:fld>
             <a:endParaRPr lang="en-US" dirty="0"/>
           </a:p>
@@ -630,7 +630,7 @@
           <a:p>
             <a:fld id="{67C6F52A-A82B-47A2-A83A-8C4C91F2D59F}" type="datetimeFigureOut">
               <a:rPr lang="en-US" dirty="0"/>
-              <a:t>6/20/2019</a:t>
+              <a:t>6/26/2019</a:t>
             </a:fld>
             <a:endParaRPr lang="en-US" dirty="0"/>
           </a:p>
@@ -795,7 +795,7 @@
           <a:p>
             <a:fld id="{F070A7B3-6521-4DCA-87E5-044747A908C1}" type="datetimeFigureOut">
               <a:rPr lang="en-US" dirty="0"/>
-              <a:t>6/20/2019</a:t>
+              <a:t>6/26/2019</a:t>
             </a:fld>
             <a:endParaRPr lang="en-US" dirty="0"/>
           </a:p>
@@ -1059,7 +1059,7 @@
           <a:p>
             <a:fld id="{1160EA64-D806-43AC-9DF2-F8C432F32B4C}" type="datetimeFigureOut">
               <a:rPr lang="en-US" dirty="0"/>
-              <a:t>6/20/2019</a:t>
+              <a:t>6/26/2019</a:t>
             </a:fld>
             <a:endParaRPr lang="en-US" dirty="0"/>
           </a:p>
@@ -1287,7 +1287,7 @@
           <a:p>
             <a:fld id="{AB134690-1557-4C89-A502-4959FE7FAD70}" type="datetimeFigureOut">
               <a:rPr lang="en-US" dirty="0"/>
-              <a:t>6/20/2019</a:t>
+              <a:t>6/26/2019</a:t>
             </a:fld>
             <a:endParaRPr lang="en-US" dirty="0"/>
           </a:p>
@@ -1641,7 +1641,7 @@
           <a:p>
             <a:fld id="{4F7D4976-E339-4826-83B7-FBD03F55ECF8}" type="datetimeFigureOut">
               <a:rPr lang="en-US" dirty="0"/>
-              <a:t>6/20/2019</a:t>
+              <a:t>6/26/2019</a:t>
             </a:fld>
             <a:endParaRPr lang="en-US" dirty="0"/>
           </a:p>
@@ -1777,7 +1777,7 @@
           <a:p>
             <a:fld id="{E1037C31-9E7A-4F99-8774-A0E530DE1A42}" type="datetimeFigureOut">
               <a:rPr lang="en-US" dirty="0"/>
-              <a:t>6/20/2019</a:t>
+              <a:t>6/26/2019</a:t>
             </a:fld>
             <a:endParaRPr lang="en-US" dirty="0"/>
           </a:p>
@@ -1867,7 +1867,7 @@
           <a:p>
             <a:fld id="{C278504F-A551-4DE0-9316-4DCD1D8CC752}" type="datetimeFigureOut">
               <a:rPr lang="en-US" dirty="0"/>
-              <a:t>6/20/2019</a:t>
+              <a:t>6/26/2019</a:t>
             </a:fld>
             <a:endParaRPr lang="en-US" dirty="0"/>
           </a:p>
@@ -2219,7 +2219,7 @@
           <a:p>
             <a:fld id="{D1BE4249-C0D0-4B06-8692-E8BB871AF643}" type="datetimeFigureOut">
               <a:rPr lang="en-US" dirty="0"/>
-              <a:t>6/20/2019</a:t>
+              <a:t>6/26/2019</a:t>
             </a:fld>
             <a:endParaRPr lang="en-US" dirty="0"/>
           </a:p>
@@ -2571,7 +2571,7 @@
           <a:p>
             <a:fld id="{042B0DB6-F5C7-45FB-8CF3-31B45F9C2DAC}" type="datetimeFigureOut">
               <a:rPr lang="en-US" dirty="0"/>
-              <a:t>6/20/2019</a:t>
+              <a:t>6/26/2019</a:t>
             </a:fld>
             <a:endParaRPr lang="en-US" dirty="0"/>
           </a:p>
@@ -2807,7 +2807,7 @@
           <a:p>
             <a:fld id="{1160EA64-D806-43AC-9DF2-F8C432F32B4C}" type="datetimeFigureOut">
               <a:rPr lang="en-US" dirty="0"/>
-              <a:t>6/20/2019</a:t>
+              <a:t>6/26/2019</a:t>
             </a:fld>
             <a:endParaRPr lang="en-US" dirty="0"/>
           </a:p>
@@ -5574,7 +5574,27 @@
                 <a:latin typeface="Courier New" panose="02070309020205020404" pitchFamily="49" charset="0"/>
                 <a:cs typeface="Courier New" panose="02070309020205020404" pitchFamily="49" charset="0"/>
               </a:rPr>
-              <a:t>&lt;build_depend&gt;message_generation&lt;/build_depend&gt; </a:t>
+              <a:t>&lt;build_depend&gt;</a:t>
+            </a:r>
+            <a:r>
+              <a:rPr lang="en-US" altLang="en-US" dirty="0" err="1">
+                <a:solidFill>
+                  <a:srgbClr val="333333"/>
+                </a:solidFill>
+                <a:latin typeface="Courier New" panose="02070309020205020404" pitchFamily="49" charset="0"/>
+                <a:cs typeface="Courier New" panose="02070309020205020404" pitchFamily="49" charset="0"/>
+              </a:rPr>
+              <a:t>message_generation</a:t>
+            </a:r>
+            <a:r>
+              <a:rPr lang="en-US" altLang="en-US" dirty="0">
+                <a:solidFill>
+                  <a:srgbClr val="333333"/>
+                </a:solidFill>
+                <a:latin typeface="Courier New" panose="02070309020205020404" pitchFamily="49" charset="0"/>
+                <a:cs typeface="Courier New" panose="02070309020205020404" pitchFamily="49" charset="0"/>
+              </a:rPr>
+              <a:t>&lt;/build_depend&gt; </a:t>
             </a:r>
             <a:br>
               <a:rPr lang="en-US" altLang="en-US" dirty="0">
@@ -5593,7 +5613,67 @@
                 <a:latin typeface="Courier New" panose="02070309020205020404" pitchFamily="49" charset="0"/>
                 <a:cs typeface="Courier New" panose="02070309020205020404" pitchFamily="49" charset="0"/>
               </a:rPr>
-              <a:t>&lt;run_depend&gt;message_runtime&lt;/run_depend&gt; </a:t>
+              <a:t>&lt;</a:t>
+            </a:r>
+            <a:r>
+              <a:rPr lang="en-US" altLang="en-US" dirty="0" err="1">
+                <a:solidFill>
+                  <a:srgbClr val="333333"/>
+                </a:solidFill>
+                <a:latin typeface="Courier New" panose="02070309020205020404" pitchFamily="49" charset="0"/>
+                <a:cs typeface="Courier New" panose="02070309020205020404" pitchFamily="49" charset="0"/>
+              </a:rPr>
+              <a:t>exec_depend</a:t>
+            </a:r>
+            <a:r>
+              <a:rPr lang="en-US" altLang="en-US" dirty="0">
+                <a:solidFill>
+                  <a:srgbClr val="333333"/>
+                </a:solidFill>
+                <a:latin typeface="Courier New" panose="02070309020205020404" pitchFamily="49" charset="0"/>
+                <a:cs typeface="Courier New" panose="02070309020205020404" pitchFamily="49" charset="0"/>
+              </a:rPr>
+              <a:t>&gt;</a:t>
+            </a:r>
+            <a:r>
+              <a:rPr lang="en-US" altLang="en-US" dirty="0" err="1">
+                <a:solidFill>
+                  <a:srgbClr val="333333"/>
+                </a:solidFill>
+                <a:latin typeface="Courier New" panose="02070309020205020404" pitchFamily="49" charset="0"/>
+                <a:cs typeface="Courier New" panose="02070309020205020404" pitchFamily="49" charset="0"/>
+              </a:rPr>
+              <a:t>message_runtime</a:t>
+            </a:r>
+            <a:r>
+              <a:rPr lang="en-US" altLang="en-US" dirty="0">
+                <a:solidFill>
+                  <a:srgbClr val="333333"/>
+                </a:solidFill>
+                <a:latin typeface="Courier New" panose="02070309020205020404" pitchFamily="49" charset="0"/>
+                <a:cs typeface="Courier New" panose="02070309020205020404" pitchFamily="49" charset="0"/>
+              </a:rPr>
+              <a:t>&lt;/</a:t>
+            </a:r>
+            <a:r>
+              <a:rPr lang="en-US" altLang="en-US" dirty="0" err="1">
+                <a:solidFill>
+                  <a:srgbClr val="333333"/>
+                </a:solidFill>
+                <a:latin typeface="Courier New" panose="02070309020205020404" pitchFamily="49" charset="0"/>
+                <a:cs typeface="Courier New" panose="02070309020205020404" pitchFamily="49" charset="0"/>
+              </a:rPr>
+              <a:t>exec_depend</a:t>
+            </a:r>
+            <a:r>
+              <a:rPr lang="en-US" altLang="en-US" dirty="0">
+                <a:solidFill>
+                  <a:srgbClr val="333333"/>
+                </a:solidFill>
+                <a:latin typeface="Courier New" panose="02070309020205020404" pitchFamily="49" charset="0"/>
+                <a:cs typeface="Courier New" panose="02070309020205020404" pitchFamily="49" charset="0"/>
+              </a:rPr>
+              <a:t>&gt; </a:t>
             </a:r>
           </a:p>
         </p:txBody>
